--- a/documents/thesis/TQLBO-paper/marco teorico/verts_per_second_sculpt.pptx
+++ b/documents/thesis/TQLBO-paper/marco teorico/verts_per_second_sculpt.pptx
@@ -104,13 +104,29 @@
       </a:defRPr>
     </a:lvl9pPr>
   </p:defaultTextStyle>
+  <p:extLst>
+    <p:ext uri="{EFAFB233-063F-42B5-8137-9DF3F51BA10A}">
+      <p15:sldGuideLst xmlns:p15="http://schemas.microsoft.com/office/powerpoint/2012/main">
+        <p15:guide id="1" orient="horz" pos="1588">
+          <p15:clr>
+            <a:srgbClr val="A4A3A4"/>
+          </p15:clr>
+        </p15:guide>
+        <p15:guide id="2" pos="3072">
+          <p15:clr>
+            <a:srgbClr val="A4A3A4"/>
+          </p15:clr>
+        </p15:guide>
+      </p15:sldGuideLst>
+    </p:ext>
+  </p:extLst>
 </p:presentation>
 </file>
 
 <file path=ppt/charts/chart1.xml><?xml version="1.0" encoding="utf-8"?>
 <c:chartSpace xmlns:c="http://schemas.openxmlformats.org/drawingml/2006/chart" xmlns:a="http://schemas.openxmlformats.org/drawingml/2006/main" xmlns:r="http://schemas.openxmlformats.org/officeDocument/2006/relationships">
   <c:date1904 val="0"/>
-  <c:lang val="es-CO"/>
+  <c:lang val="es-ES"/>
   <c:roundedCorners val="0"/>
   <mc:AlternateContent xmlns:mc="http://schemas.openxmlformats.org/markup-compatibility/2006">
     <mc:Choice xmlns:c14="http://schemas.microsoft.com/office/drawing/2007/8/2/chart" Requires="c14">
@@ -131,9 +147,22 @@
               <a:defRPr sz="2400" b="0"/>
             </a:pPr>
             <a:r>
-              <a:rPr lang="es-CO" sz="2400" b="0"/>
-              <a:t>Sculpting Vertices per Second</a:t>
+              <a:rPr lang="es-CO" sz="2400" b="0" smtClean="0"/>
+              <a:t>Sculpted </a:t>
             </a:r>
+            <a:r>
+              <a:rPr lang="es-CO" sz="2400" b="0" dirty="0" err="1"/>
+              <a:t>Vertices</a:t>
+            </a:r>
+            <a:r>
+              <a:rPr lang="es-CO" sz="2400" b="0" dirty="0"/>
+              <a:t> per </a:t>
+            </a:r>
+            <a:r>
+              <a:rPr lang="es-CO" sz="2400" b="0" dirty="0" err="1"/>
+              <a:t>Second</a:t>
+            </a:r>
+            <a:endParaRPr lang="es-CO" sz="2400" b="0" dirty="0"/>
           </a:p>
         </c:rich>
       </c:tx>
@@ -13284,11 +13313,11 @@
           <c:showPercent val="0"/>
           <c:showBubbleSize val="0"/>
         </c:dLbls>
-        <c:axId val="62583168"/>
-        <c:axId val="62586240"/>
+        <c:axId val="426391200"/>
+        <c:axId val="426390640"/>
       </c:scatterChart>
       <c:valAx>
-        <c:axId val="62583168"/>
+        <c:axId val="426391200"/>
         <c:scaling>
           <c:orientation val="minMax"/>
         </c:scaling>
@@ -13327,12 +13356,12 @@
             <a:endParaRPr lang="es-CO"/>
           </a:p>
         </c:txPr>
-        <c:crossAx val="62586240"/>
+        <c:crossAx val="426390640"/>
         <c:crosses val="autoZero"/>
         <c:crossBetween val="midCat"/>
       </c:valAx>
       <c:valAx>
-        <c:axId val="62586240"/>
+        <c:axId val="426390640"/>
         <c:scaling>
           <c:orientation val="minMax"/>
         </c:scaling>
@@ -13372,7 +13401,7 @@
             <a:endParaRPr lang="es-CO"/>
           </a:p>
         </c:txPr>
-        <c:crossAx val="62583168"/>
+        <c:crossAx val="426391200"/>
         <c:crosses val="autoZero"/>
         <c:crossBetween val="midCat"/>
       </c:valAx>
@@ -13596,7 +13625,7 @@
           <a:p>
             <a:fld id="{6552261F-D0A4-4B36-B27C-4DAADF3EC25B}" type="datetimeFigureOut">
               <a:rPr lang="es-CO" smtClean="0"/>
-              <a:t>03/01/2013</a:t>
+              <a:t>19/10/2015</a:t>
             </a:fld>
             <a:endParaRPr lang="es-CO"/>
           </a:p>
@@ -13766,7 +13795,7 @@
           <a:p>
             <a:fld id="{6552261F-D0A4-4B36-B27C-4DAADF3EC25B}" type="datetimeFigureOut">
               <a:rPr lang="es-CO" smtClean="0"/>
-              <a:t>03/01/2013</a:t>
+              <a:t>19/10/2015</a:t>
             </a:fld>
             <a:endParaRPr lang="es-CO"/>
           </a:p>
@@ -13946,7 +13975,7 @@
           <a:p>
             <a:fld id="{6552261F-D0A4-4B36-B27C-4DAADF3EC25B}" type="datetimeFigureOut">
               <a:rPr lang="es-CO" smtClean="0"/>
-              <a:t>03/01/2013</a:t>
+              <a:t>19/10/2015</a:t>
             </a:fld>
             <a:endParaRPr lang="es-CO"/>
           </a:p>
@@ -14116,7 +14145,7 @@
           <a:p>
             <a:fld id="{6552261F-D0A4-4B36-B27C-4DAADF3EC25B}" type="datetimeFigureOut">
               <a:rPr lang="es-CO" smtClean="0"/>
-              <a:t>03/01/2013</a:t>
+              <a:t>19/10/2015</a:t>
             </a:fld>
             <a:endParaRPr lang="es-CO"/>
           </a:p>
@@ -14362,7 +14391,7 @@
           <a:p>
             <a:fld id="{6552261F-D0A4-4B36-B27C-4DAADF3EC25B}" type="datetimeFigureOut">
               <a:rPr lang="es-CO" smtClean="0"/>
-              <a:t>03/01/2013</a:t>
+              <a:t>19/10/2015</a:t>
             </a:fld>
             <a:endParaRPr lang="es-CO"/>
           </a:p>
@@ -14650,7 +14679,7 @@
           <a:p>
             <a:fld id="{6552261F-D0A4-4B36-B27C-4DAADF3EC25B}" type="datetimeFigureOut">
               <a:rPr lang="es-CO" smtClean="0"/>
-              <a:t>03/01/2013</a:t>
+              <a:t>19/10/2015</a:t>
             </a:fld>
             <a:endParaRPr lang="es-CO"/>
           </a:p>
@@ -15077,7 +15106,7 @@
           <a:p>
             <a:fld id="{6552261F-D0A4-4B36-B27C-4DAADF3EC25B}" type="datetimeFigureOut">
               <a:rPr lang="es-CO" smtClean="0"/>
-              <a:t>03/01/2013</a:t>
+              <a:t>19/10/2015</a:t>
             </a:fld>
             <a:endParaRPr lang="es-CO"/>
           </a:p>
@@ -15195,7 +15224,7 @@
           <a:p>
             <a:fld id="{6552261F-D0A4-4B36-B27C-4DAADF3EC25B}" type="datetimeFigureOut">
               <a:rPr lang="es-CO" smtClean="0"/>
-              <a:t>03/01/2013</a:t>
+              <a:t>19/10/2015</a:t>
             </a:fld>
             <a:endParaRPr lang="es-CO"/>
           </a:p>
@@ -15290,7 +15319,7 @@
           <a:p>
             <a:fld id="{6552261F-D0A4-4B36-B27C-4DAADF3EC25B}" type="datetimeFigureOut">
               <a:rPr lang="es-CO" smtClean="0"/>
-              <a:t>03/01/2013</a:t>
+              <a:t>19/10/2015</a:t>
             </a:fld>
             <a:endParaRPr lang="es-CO"/>
           </a:p>
@@ -15567,7 +15596,7 @@
           <a:p>
             <a:fld id="{6552261F-D0A4-4B36-B27C-4DAADF3EC25B}" type="datetimeFigureOut">
               <a:rPr lang="es-CO" smtClean="0"/>
-              <a:t>03/01/2013</a:t>
+              <a:t>19/10/2015</a:t>
             </a:fld>
             <a:endParaRPr lang="es-CO"/>
           </a:p>
@@ -15820,7 +15849,7 @@
           <a:p>
             <a:fld id="{6552261F-D0A4-4B36-B27C-4DAADF3EC25B}" type="datetimeFigureOut">
               <a:rPr lang="es-CO" smtClean="0"/>
-              <a:t>03/01/2013</a:t>
+              <a:t>19/10/2015</a:t>
             </a:fld>
             <a:endParaRPr lang="es-CO"/>
           </a:p>
@@ -16033,7 +16062,7 @@
           <a:p>
             <a:fld id="{6552261F-D0A4-4B36-B27C-4DAADF3EC25B}" type="datetimeFigureOut">
               <a:rPr lang="es-CO" smtClean="0"/>
-              <a:t>03/01/2013</a:t>
+              <a:t>19/10/2015</a:t>
             </a:fld>
             <a:endParaRPr lang="es-CO"/>
           </a:p>
@@ -16414,7 +16443,13 @@
           <p:cNvGraphicFramePr>
             <a:graphicFrameLocks/>
           </p:cNvGraphicFramePr>
-          <p:nvPr/>
+          <p:nvPr>
+            <p:extLst>
+              <p:ext uri="{D42A27DB-BD31-4B8C-83A1-F6EECF244321}">
+                <p14:modId xmlns:p14="http://schemas.microsoft.com/office/powerpoint/2010/main" val="3339588401"/>
+              </p:ext>
+            </p:extLst>
+          </p:nvPr>
         </p:nvGraphicFramePr>
         <p:xfrm>
           <a:off x="16800" y="156"/>
